--- a/종합실습2 보고서_박미현.pptx
+++ b/종합실습2 보고서_박미현.pptx
@@ -116,6 +116,11 @@
       </a:defRPr>
     </a:lvl9pPr>
   </p:defaultTextStyle>
+  <p:extLst>
+    <p:ext uri="{EFAFB233-063F-42B5-8137-9DF3F51BA10A}">
+      <p15:sldGuideLst xmlns:p15="http://schemas.microsoft.com/office/powerpoint/2012/main"/>
+    </p:ext>
+  </p:extLst>
 </p:presentation>
 </file>
 
@@ -266,7 +271,7 @@
           <a:p>
             <a:fld id="{DB70DD7A-49E2-404B-A9CE-4D78606B7953}" type="datetimeFigureOut">
               <a:rPr lang="ko-KR" altLang="en-US" smtClean="0"/>
-              <a:t>2020-07-16</a:t>
+              <a:t>2020-10-27</a:t>
             </a:fld>
             <a:endParaRPr lang="ko-KR" altLang="en-US"/>
           </a:p>
@@ -464,7 +469,7 @@
           <a:p>
             <a:fld id="{DB70DD7A-49E2-404B-A9CE-4D78606B7953}" type="datetimeFigureOut">
               <a:rPr lang="ko-KR" altLang="en-US" smtClean="0"/>
-              <a:t>2020-07-16</a:t>
+              <a:t>2020-10-27</a:t>
             </a:fld>
             <a:endParaRPr lang="ko-KR" altLang="en-US"/>
           </a:p>
@@ -672,7 +677,7 @@
           <a:p>
             <a:fld id="{DB70DD7A-49E2-404B-A9CE-4D78606B7953}" type="datetimeFigureOut">
               <a:rPr lang="ko-KR" altLang="en-US" smtClean="0"/>
-              <a:t>2020-07-16</a:t>
+              <a:t>2020-10-27</a:t>
             </a:fld>
             <a:endParaRPr lang="ko-KR" altLang="en-US"/>
           </a:p>
@@ -870,7 +875,7 @@
           <a:p>
             <a:fld id="{DB70DD7A-49E2-404B-A9CE-4D78606B7953}" type="datetimeFigureOut">
               <a:rPr lang="ko-KR" altLang="en-US" smtClean="0"/>
-              <a:t>2020-07-16</a:t>
+              <a:t>2020-10-27</a:t>
             </a:fld>
             <a:endParaRPr lang="ko-KR" altLang="en-US"/>
           </a:p>
@@ -1145,7 +1150,7 @@
           <a:p>
             <a:fld id="{DB70DD7A-49E2-404B-A9CE-4D78606B7953}" type="datetimeFigureOut">
               <a:rPr lang="ko-KR" altLang="en-US" smtClean="0"/>
-              <a:t>2020-07-16</a:t>
+              <a:t>2020-10-27</a:t>
             </a:fld>
             <a:endParaRPr lang="ko-KR" altLang="en-US"/>
           </a:p>
@@ -1410,7 +1415,7 @@
           <a:p>
             <a:fld id="{DB70DD7A-49E2-404B-A9CE-4D78606B7953}" type="datetimeFigureOut">
               <a:rPr lang="ko-KR" altLang="en-US" smtClean="0"/>
-              <a:t>2020-07-16</a:t>
+              <a:t>2020-10-27</a:t>
             </a:fld>
             <a:endParaRPr lang="ko-KR" altLang="en-US"/>
           </a:p>
@@ -1822,7 +1827,7 @@
           <a:p>
             <a:fld id="{DB70DD7A-49E2-404B-A9CE-4D78606B7953}" type="datetimeFigureOut">
               <a:rPr lang="ko-KR" altLang="en-US" smtClean="0"/>
-              <a:t>2020-07-16</a:t>
+              <a:t>2020-10-27</a:t>
             </a:fld>
             <a:endParaRPr lang="ko-KR" altLang="en-US"/>
           </a:p>
@@ -1963,7 +1968,7 @@
           <a:p>
             <a:fld id="{DB70DD7A-49E2-404B-A9CE-4D78606B7953}" type="datetimeFigureOut">
               <a:rPr lang="ko-KR" altLang="en-US" smtClean="0"/>
-              <a:t>2020-07-16</a:t>
+              <a:t>2020-10-27</a:t>
             </a:fld>
             <a:endParaRPr lang="ko-KR" altLang="en-US"/>
           </a:p>
@@ -2076,7 +2081,7 @@
           <a:p>
             <a:fld id="{DB70DD7A-49E2-404B-A9CE-4D78606B7953}" type="datetimeFigureOut">
               <a:rPr lang="ko-KR" altLang="en-US" smtClean="0"/>
-              <a:t>2020-07-16</a:t>
+              <a:t>2020-10-27</a:t>
             </a:fld>
             <a:endParaRPr lang="ko-KR" altLang="en-US"/>
           </a:p>
@@ -2387,7 +2392,7 @@
           <a:p>
             <a:fld id="{DB70DD7A-49E2-404B-A9CE-4D78606B7953}" type="datetimeFigureOut">
               <a:rPr lang="ko-KR" altLang="en-US" smtClean="0"/>
-              <a:t>2020-07-16</a:t>
+              <a:t>2020-10-27</a:t>
             </a:fld>
             <a:endParaRPr lang="ko-KR" altLang="en-US"/>
           </a:p>
@@ -2675,7 +2680,7 @@
           <a:p>
             <a:fld id="{DB70DD7A-49E2-404B-A9CE-4D78606B7953}" type="datetimeFigureOut">
               <a:rPr lang="ko-KR" altLang="en-US" smtClean="0"/>
-              <a:t>2020-07-16</a:t>
+              <a:t>2020-10-27</a:t>
             </a:fld>
             <a:endParaRPr lang="ko-KR" altLang="en-US"/>
           </a:p>
@@ -2916,7 +2921,7 @@
           <a:p>
             <a:fld id="{DB70DD7A-49E2-404B-A9CE-4D78606B7953}" type="datetimeFigureOut">
               <a:rPr lang="ko-KR" altLang="en-US" smtClean="0"/>
-              <a:t>2020-07-16</a:t>
+              <a:t>2020-10-27</a:t>
             </a:fld>
             <a:endParaRPr lang="ko-KR" altLang="en-US"/>
           </a:p>
@@ -3458,8 +3463,8 @@
         </p:nvSpPr>
         <p:spPr>
           <a:xfrm>
-            <a:off x="8784771" y="5935900"/>
-            <a:ext cx="3407229" cy="698380"/>
+            <a:off x="10399059" y="5891076"/>
+            <a:ext cx="1792941" cy="698380"/>
           </a:xfrm>
           <a:prstGeom prst="rect">
             <a:avLst/>
@@ -3498,72 +3503,6 @@
               <a:tabLst/>
               <a:defRPr/>
             </a:pPr>
-            <a:r>
-              <a:rPr lang="en-US" altLang="ko-KR" sz="2800" b="1" kern="0" dirty="0">
-                <a:solidFill>
-                  <a:schemeClr val="bg2">
-                    <a:lumMod val="25000"/>
-                  </a:schemeClr>
-                </a:solidFill>
-                <a:latin typeface="+mj-lt"/>
-                <a:ea typeface="문체부 제목 돋음체" panose="020B0609000101010101" pitchFamily="49" charset="-127"/>
-              </a:rPr>
-              <a:t>   A</a:t>
-            </a:r>
-            <a:r>
-              <a:rPr lang="ko-KR" altLang="en-US" sz="2800" b="1" kern="0" dirty="0">
-                <a:solidFill>
-                  <a:schemeClr val="bg2">
-                    <a:lumMod val="25000"/>
-                  </a:schemeClr>
-                </a:solidFill>
-                <a:latin typeface="+mj-lt"/>
-                <a:ea typeface="문체부 제목 돋음체" panose="020B0609000101010101" pitchFamily="49" charset="-127"/>
-              </a:rPr>
-              <a:t>반 </a:t>
-            </a:r>
-            <a:r>
-              <a:rPr lang="en-US" altLang="ko-KR" sz="2800" b="1" kern="0" dirty="0">
-                <a:solidFill>
-                  <a:schemeClr val="bg2">
-                    <a:lumMod val="25000"/>
-                  </a:schemeClr>
-                </a:solidFill>
-                <a:latin typeface="+mj-lt"/>
-                <a:ea typeface="문체부 제목 돋음체" panose="020B0609000101010101" pitchFamily="49" charset="-127"/>
-              </a:rPr>
-              <a:t>1</a:t>
-            </a:r>
-            <a:r>
-              <a:rPr lang="ko-KR" altLang="en-US" sz="2800" b="1" kern="0" dirty="0">
-                <a:solidFill>
-                  <a:schemeClr val="bg2">
-                    <a:lumMod val="25000"/>
-                  </a:schemeClr>
-                </a:solidFill>
-                <a:latin typeface="+mj-lt"/>
-                <a:ea typeface="문체부 제목 돋음체" panose="020B0609000101010101" pitchFamily="49" charset="-127"/>
-              </a:rPr>
-              <a:t>조</a:t>
-            </a:r>
-            <a:r>
-              <a:rPr kumimoji="0" lang="en-US" altLang="ko-KR" sz="2800" b="1" i="0" u="none" strike="noStrike" kern="0" cap="none" spc="0" normalizeH="0" baseline="0" noProof="0" dirty="0">
-                <a:ln>
-                  <a:noFill/>
-                </a:ln>
-                <a:solidFill>
-                  <a:schemeClr val="bg2">
-                    <a:lumMod val="25000"/>
-                  </a:schemeClr>
-                </a:solidFill>
-                <a:effectLst/>
-                <a:uLnTx/>
-                <a:uFillTx/>
-                <a:ea typeface="문체부 제목 돋음체" panose="020B0609000101010101" pitchFamily="49" charset="-127"/>
-                <a:cs typeface="+mn-cs"/>
-              </a:rPr>
-              <a:t> </a:t>
-            </a:r>
             <a:r>
               <a:rPr kumimoji="0" lang="ko-KR" altLang="en-US" sz="2800" b="1" i="0" u="none" strike="noStrike" kern="0" cap="none" spc="0" normalizeH="0" baseline="0" noProof="0" dirty="0">
                 <a:ln>
